--- a/lab2-slides.pptx
+++ b/lab2-slides.pptx
@@ -1049,7 +1049,7 @@
   <p:cSld>
     <p:spTree>
       <p:nvGrpSpPr>
-        <p:cNvPr id="136" name="Shape 136"/>
+        <p:cNvPr id="135" name="Shape 135"/>
         <p:cNvGrpSpPr/>
         <p:nvPr/>
       </p:nvGrpSpPr>
@@ -1063,7 +1063,7 @@
       </p:grpSpPr>
       <p:sp>
         <p:nvSpPr>
-          <p:cNvPr id="137" name="Google Shape;137;g956fcfd119_0_55:notes"/>
+          <p:cNvPr id="136" name="Google Shape;136;g956fcfd119_0_55:notes"/>
           <p:cNvSpPr/>
           <p:nvPr>
             <p:ph idx="2" type="sldImg"/>
@@ -1098,7 +1098,7 @@
       </p:sp>
       <p:sp>
         <p:nvSpPr>
-          <p:cNvPr id="138" name="Google Shape;138;g956fcfd119_0_55:notes"/>
+          <p:cNvPr id="137" name="Google Shape;137;g956fcfd119_0_55:notes"/>
           <p:cNvSpPr txBox="1"/>
           <p:nvPr>
             <p:ph idx="1" type="body"/>
@@ -1129,7 +1129,8 @@
               <a:buNone/>
             </a:pPr>
             <a:r>
-              <a:t/>
+              <a:rPr lang="fr"/>
+              <a:t>Implemented by hand using numpy</a:t>
             </a:r>
             <a:endParaRPr/>
           </a:p>
@@ -1148,7 +1149,7 @@
   <p:cSld>
     <p:spTree>
       <p:nvGrpSpPr>
-        <p:cNvPr id="142" name="Shape 142"/>
+        <p:cNvPr id="141" name="Shape 141"/>
         <p:cNvGrpSpPr/>
         <p:nvPr/>
       </p:nvGrpSpPr>
@@ -1162,7 +1163,7 @@
       </p:grpSpPr>
       <p:sp>
         <p:nvSpPr>
-          <p:cNvPr id="143" name="Google Shape;143;g983e0c339c_0_5:notes"/>
+          <p:cNvPr id="142" name="Google Shape;142;g983e0c339c_0_5:notes"/>
           <p:cNvSpPr/>
           <p:nvPr>
             <p:ph idx="2" type="sldImg"/>
@@ -1197,7 +1198,7 @@
       </p:sp>
       <p:sp>
         <p:nvSpPr>
-          <p:cNvPr id="144" name="Google Shape;144;g983e0c339c_0_5:notes"/>
+          <p:cNvPr id="143" name="Google Shape;143;g983e0c339c_0_5:notes"/>
           <p:cNvSpPr txBox="1"/>
           <p:nvPr>
             <p:ph idx="1" type="body"/>
@@ -1368,7 +1369,7 @@
   <p:cSld>
     <p:spTree>
       <p:nvGrpSpPr>
-        <p:cNvPr id="150" name="Shape 150"/>
+        <p:cNvPr id="149" name="Shape 149"/>
         <p:cNvGrpSpPr/>
         <p:nvPr/>
       </p:nvGrpSpPr>
@@ -1382,7 +1383,7 @@
       </p:grpSpPr>
       <p:sp>
         <p:nvSpPr>
-          <p:cNvPr id="151" name="Google Shape;151;g983bf778b2_11_10:notes"/>
+          <p:cNvPr id="150" name="Google Shape;150;g983bf778b2_11_10:notes"/>
           <p:cNvSpPr/>
           <p:nvPr>
             <p:ph idx="2" type="sldImg"/>
@@ -1417,7 +1418,7 @@
       </p:sp>
       <p:sp>
         <p:nvSpPr>
-          <p:cNvPr id="152" name="Google Shape;152;g983bf778b2_11_10:notes"/>
+          <p:cNvPr id="151" name="Google Shape;151;g983bf778b2_11_10:notes"/>
           <p:cNvSpPr txBox="1"/>
           <p:nvPr>
             <p:ph idx="1" type="body"/>
@@ -1437,6 +1438,22 @@
             <a:noAutofit/>
           </a:bodyPr>
           <a:lstStyle/>
+          <a:p>
+            <a:pPr indent="0" lvl="0" marL="0" rtl="0" algn="l">
+              <a:spcBef>
+                <a:spcPts val="0"/>
+              </a:spcBef>
+              <a:spcAft>
+                <a:spcPts val="0"/>
+              </a:spcAft>
+              <a:buNone/>
+            </a:pPr>
+            <a:r>
+              <a:rPr lang="fr"/>
+              <a:t>Random initialization all the time (doesn’t impact the experience)</a:t>
+            </a:r>
+            <a:endParaRPr/>
+          </a:p>
           <a:p>
             <a:pPr indent="0" lvl="0" marL="0" rtl="0" algn="l">
               <a:spcBef>
@@ -1532,7 +1549,7 @@
   <p:cSld>
     <p:spTree>
       <p:nvGrpSpPr>
-        <p:cNvPr id="160" name="Shape 160"/>
+        <p:cNvPr id="159" name="Shape 159"/>
         <p:cNvGrpSpPr/>
         <p:nvPr/>
       </p:nvGrpSpPr>
@@ -1546,7 +1563,7 @@
       </p:grpSpPr>
       <p:sp>
         <p:nvSpPr>
-          <p:cNvPr id="161" name="Google Shape;161;g983bf778b2_11_27:notes"/>
+          <p:cNvPr id="160" name="Google Shape;160;g983bf778b2_11_27:notes"/>
           <p:cNvSpPr/>
           <p:nvPr>
             <p:ph idx="2" type="sldImg"/>
@@ -1581,7 +1598,7 @@
       </p:sp>
       <p:sp>
         <p:nvSpPr>
-          <p:cNvPr id="162" name="Google Shape;162;g983bf778b2_11_27:notes"/>
+          <p:cNvPr id="161" name="Google Shape;161;g983bf778b2_11_27:notes"/>
           <p:cNvSpPr txBox="1"/>
           <p:nvPr>
             <p:ph idx="1" type="body"/>
@@ -1614,6 +1631,23 @@
             </a:pPr>
             <a:r>
               <a:rPr lang="fr"/>
+              <a:t>Manhattan distance neighborhood</a:t>
+            </a:r>
+            <a:endParaRPr/>
+          </a:p>
+          <a:p>
+            <a:pPr indent="-298450" lvl="0" marL="457200" rtl="0" algn="l">
+              <a:spcBef>
+                <a:spcPts val="0"/>
+              </a:spcBef>
+              <a:spcAft>
+                <a:spcPts val="0"/>
+              </a:spcAft>
+              <a:buSzPts val="1100"/>
+              <a:buChar char="-"/>
+            </a:pPr>
+            <a:r>
+              <a:rPr lang="fr"/>
               <a:t>Evenly spread out between men &amp; women &amp; mixed</a:t>
             </a:r>
             <a:endParaRPr/>
@@ -1631,7 +1665,7 @@
             </a:pPr>
             <a:r>
               <a:rPr lang="fr"/>
-              <a:t>MPs in sweden are not voting based on their sex</a:t>
+              <a:t>MPs in sweden are not voting based on their gender</a:t>
             </a:r>
             <a:endParaRPr/>
           </a:p>
@@ -2159,7 +2193,7 @@
   <p:cSld>
     <p:spTree>
       <p:nvGrpSpPr>
-        <p:cNvPr id="174" name="Shape 174"/>
+        <p:cNvPr id="175" name="Shape 175"/>
         <p:cNvGrpSpPr/>
         <p:nvPr/>
       </p:nvGrpSpPr>
@@ -2173,7 +2207,7 @@
       </p:grpSpPr>
       <p:sp>
         <p:nvSpPr>
-          <p:cNvPr id="175" name="Google Shape;175;g983bf778b2_11_41:notes"/>
+          <p:cNvPr id="176" name="Google Shape;176;g983bf778b2_11_41:notes"/>
           <p:cNvSpPr/>
           <p:nvPr>
             <p:ph idx="2" type="sldImg"/>
@@ -2208,7 +2242,7 @@
       </p:sp>
       <p:sp>
         <p:nvSpPr>
-          <p:cNvPr id="176" name="Google Shape;176;g983bf778b2_11_41:notes"/>
+          <p:cNvPr id="177" name="Google Shape;177;g983bf778b2_11_41:notes"/>
           <p:cNvSpPr txBox="1"/>
           <p:nvPr>
             <p:ph idx="1" type="body"/>
@@ -2228,6 +2262,23 @@
             <a:noAutofit/>
           </a:bodyPr>
           <a:lstStyle/>
+          <a:p>
+            <a:pPr indent="-298450" lvl="0" marL="457200" rtl="0" algn="l">
+              <a:spcBef>
+                <a:spcPts val="0"/>
+              </a:spcBef>
+              <a:spcAft>
+                <a:spcPts val="0"/>
+              </a:spcAft>
+              <a:buSzPts val="1100"/>
+              <a:buChar char="-"/>
+            </a:pPr>
+            <a:r>
+              <a:rPr lang="fr"/>
+              <a:t>Best trains; With larger number of epochs</a:t>
+            </a:r>
+            <a:endParaRPr/>
+          </a:p>
           <a:p>
             <a:pPr indent="0" lvl="0" marL="0" rtl="0" algn="l">
               <a:spcBef>
@@ -2275,7 +2326,7 @@
   <p:cSld>
     <p:spTree>
       <p:nvGrpSpPr>
-        <p:cNvPr id="183" name="Shape 183"/>
+        <p:cNvPr id="185" name="Shape 185"/>
         <p:cNvGrpSpPr/>
         <p:nvPr/>
       </p:nvGrpSpPr>
@@ -2289,7 +2340,7 @@
       </p:grpSpPr>
       <p:sp>
         <p:nvSpPr>
-          <p:cNvPr id="184" name="Google Shape;184;g956fcfd119_0_65:notes"/>
+          <p:cNvPr id="186" name="Google Shape;186;g956fcfd119_0_65:notes"/>
           <p:cNvSpPr/>
           <p:nvPr>
             <p:ph idx="2" type="sldImg"/>
@@ -2324,7 +2375,7 @@
       </p:sp>
       <p:sp>
         <p:nvSpPr>
-          <p:cNvPr id="185" name="Google Shape;185;g956fcfd119_0_65:notes"/>
+          <p:cNvPr id="187" name="Google Shape;187;g956fcfd119_0_65:notes"/>
           <p:cNvSpPr txBox="1"/>
           <p:nvPr>
             <p:ph idx="1" type="body"/>
@@ -8715,48 +8766,9 @@
           </a:p>
         </p:txBody>
       </p:sp>
-      <p:sp>
-        <p:nvSpPr>
-          <p:cNvPr id="134" name="Google Shape;134;p23"/>
-          <p:cNvSpPr txBox="1"/>
-          <p:nvPr>
-            <p:ph idx="1" type="body"/>
-          </p:nvPr>
-        </p:nvSpPr>
-        <p:spPr>
-          <a:xfrm>
-            <a:off x="311700" y="1152475"/>
-            <a:ext cx="8520600" cy="3416400"/>
-          </a:xfrm>
-          <a:prstGeom prst="rect">
-            <a:avLst/>
-          </a:prstGeom>
-        </p:spPr>
-        <p:txBody>
-          <a:bodyPr anchorCtr="0" anchor="t" bIns="91425" lIns="91425" spcFirstLastPara="1" rIns="91425" wrap="square" tIns="91425">
-            <a:noAutofit/>
-          </a:bodyPr>
-          <a:lstStyle/>
-          <a:p>
-            <a:pPr indent="0" lvl="0" marL="0" rtl="0" algn="l">
-              <a:spcBef>
-                <a:spcPts val="0"/>
-              </a:spcBef>
-              <a:spcAft>
-                <a:spcPts val="1600"/>
-              </a:spcAft>
-              <a:buNone/>
-            </a:pPr>
-            <a:r>
-              <a:t/>
-            </a:r>
-            <a:endParaRPr/>
-          </a:p>
-        </p:txBody>
-      </p:sp>
       <p:pic>
         <p:nvPicPr>
-          <p:cNvPr id="135" name="Google Shape;135;p23"/>
+          <p:cNvPr id="134" name="Google Shape;134;p23"/>
           <p:cNvPicPr preferRelativeResize="0"/>
           <p:nvPr/>
         </p:nvPicPr>
@@ -8795,7 +8807,7 @@
   <p:cSld>
     <p:spTree>
       <p:nvGrpSpPr>
-        <p:cNvPr id="139" name="Shape 139"/>
+        <p:cNvPr id="138" name="Shape 138"/>
         <p:cNvGrpSpPr/>
         <p:nvPr/>
       </p:nvGrpSpPr>
@@ -8809,7 +8821,7 @@
       </p:grpSpPr>
       <p:sp>
         <p:nvSpPr>
-          <p:cNvPr id="140" name="Google Shape;140;p24"/>
+          <p:cNvPr id="139" name="Google Shape;139;p24"/>
           <p:cNvSpPr txBox="1"/>
           <p:nvPr>
             <p:ph idx="4294967295" type="ctrTitle"/>
@@ -8853,7 +8865,7 @@
       </p:sp>
       <p:sp>
         <p:nvSpPr>
-          <p:cNvPr id="141" name="Google Shape;141;p24"/>
+          <p:cNvPr id="140" name="Google Shape;140;p24"/>
           <p:cNvSpPr txBox="1"/>
           <p:nvPr>
             <p:ph idx="4294967295" type="subTitle"/>
@@ -8908,7 +8920,7 @@
   <p:cSld>
     <p:spTree>
       <p:nvGrpSpPr>
-        <p:cNvPr id="145" name="Shape 145"/>
+        <p:cNvPr id="144" name="Shape 144"/>
         <p:cNvGrpSpPr/>
         <p:nvPr/>
       </p:nvGrpSpPr>
@@ -8922,7 +8934,7 @@
       </p:grpSpPr>
       <p:sp>
         <p:nvSpPr>
-          <p:cNvPr id="146" name="Google Shape;146;p25"/>
+          <p:cNvPr id="145" name="Google Shape;145;p25"/>
           <p:cNvSpPr txBox="1"/>
           <p:nvPr>
             <p:ph type="title"/>
@@ -8962,7 +8974,7 @@
       </p:sp>
       <p:pic>
         <p:nvPicPr>
-          <p:cNvPr id="147" name="Google Shape;147;p25"/>
+          <p:cNvPr id="146" name="Google Shape;146;p25"/>
           <p:cNvPicPr preferRelativeResize="0"/>
           <p:nvPr/>
         </p:nvPicPr>
@@ -8990,6 +9002,78 @@
       </p:pic>
       <p:sp>
         <p:nvSpPr>
+          <p:cNvPr id="147" name="Google Shape;147;p25"/>
+          <p:cNvSpPr txBox="1"/>
+          <p:nvPr>
+            <p:ph idx="1" type="body"/>
+          </p:nvPr>
+        </p:nvSpPr>
+        <p:spPr>
+          <a:xfrm>
+            <a:off x="311700" y="1222625"/>
+            <a:ext cx="2898600" cy="1419300"/>
+          </a:xfrm>
+          <a:prstGeom prst="rect">
+            <a:avLst/>
+          </a:prstGeom>
+        </p:spPr>
+        <p:txBody>
+          <a:bodyPr anchorCtr="0" anchor="t" bIns="91425" lIns="91425" spcFirstLastPara="1" rIns="91425" wrap="square" tIns="91425">
+            <a:noAutofit/>
+          </a:bodyPr>
+          <a:lstStyle/>
+          <a:p>
+            <a:pPr indent="0" lvl="0" marL="0" rtl="0" algn="l">
+              <a:spcBef>
+                <a:spcPts val="0"/>
+              </a:spcBef>
+              <a:spcAft>
+                <a:spcPts val="0"/>
+              </a:spcAft>
+              <a:buNone/>
+            </a:pPr>
+            <a:r>
+              <a:rPr lang="fr"/>
+              <a:t>Animals, 1D</a:t>
+            </a:r>
+            <a:endParaRPr/>
+          </a:p>
+          <a:p>
+            <a:pPr indent="-342900" lvl="0" marL="457200" rtl="0" algn="l">
+              <a:spcBef>
+                <a:spcPts val="1600"/>
+              </a:spcBef>
+              <a:spcAft>
+                <a:spcPts val="0"/>
+              </a:spcAft>
+              <a:buSzPts val="1800"/>
+              <a:buChar char="-"/>
+            </a:pPr>
+            <a:r>
+              <a:rPr lang="fr"/>
+              <a:t>Topological structure</a:t>
+            </a:r>
+            <a:endParaRPr/>
+          </a:p>
+          <a:p>
+            <a:pPr indent="0" lvl="0" marL="0" rtl="0" algn="l">
+              <a:spcBef>
+                <a:spcPts val="1600"/>
+              </a:spcBef>
+              <a:spcAft>
+                <a:spcPts val="1600"/>
+              </a:spcAft>
+              <a:buNone/>
+            </a:pPr>
+            <a:r>
+              <a:t/>
+            </a:r>
+            <a:endParaRPr/>
+          </a:p>
+        </p:txBody>
+      </p:sp>
+      <p:sp>
+        <p:nvSpPr>
           <p:cNvPr id="148" name="Google Shape;148;p25"/>
           <p:cNvSpPr txBox="1"/>
           <p:nvPr>
@@ -8998,80 +9082,8 @@
         </p:nvSpPr>
         <p:spPr>
           <a:xfrm>
-            <a:off x="311700" y="1222625"/>
-            <a:ext cx="2898600" cy="1419300"/>
-          </a:xfrm>
-          <a:prstGeom prst="rect">
-            <a:avLst/>
-          </a:prstGeom>
-        </p:spPr>
-        <p:txBody>
-          <a:bodyPr anchorCtr="0" anchor="t" bIns="91425" lIns="91425" spcFirstLastPara="1" rIns="91425" wrap="square" tIns="91425">
-            <a:noAutofit/>
-          </a:bodyPr>
-          <a:lstStyle/>
-          <a:p>
-            <a:pPr indent="0" lvl="0" marL="0" rtl="0" algn="l">
-              <a:spcBef>
-                <a:spcPts val="0"/>
-              </a:spcBef>
-              <a:spcAft>
-                <a:spcPts val="0"/>
-              </a:spcAft>
-              <a:buNone/>
-            </a:pPr>
-            <a:r>
-              <a:rPr lang="fr"/>
-              <a:t>Animals, 1D</a:t>
-            </a:r>
-            <a:endParaRPr/>
-          </a:p>
-          <a:p>
-            <a:pPr indent="-342900" lvl="0" marL="457200" rtl="0" algn="l">
-              <a:spcBef>
-                <a:spcPts val="1600"/>
-              </a:spcBef>
-              <a:spcAft>
-                <a:spcPts val="0"/>
-              </a:spcAft>
-              <a:buSzPts val="1800"/>
-              <a:buChar char="-"/>
-            </a:pPr>
-            <a:r>
-              <a:rPr lang="fr"/>
-              <a:t>Topological structure</a:t>
-            </a:r>
-            <a:endParaRPr/>
-          </a:p>
-          <a:p>
-            <a:pPr indent="0" lvl="0" marL="0" rtl="0" algn="l">
-              <a:spcBef>
-                <a:spcPts val="1600"/>
-              </a:spcBef>
-              <a:spcAft>
-                <a:spcPts val="1600"/>
-              </a:spcAft>
-              <a:buNone/>
-            </a:pPr>
-            <a:r>
-              <a:t/>
-            </a:r>
-            <a:endParaRPr/>
-          </a:p>
-        </p:txBody>
-      </p:sp>
-      <p:sp>
-        <p:nvSpPr>
-          <p:cNvPr id="149" name="Google Shape;149;p25"/>
-          <p:cNvSpPr txBox="1"/>
-          <p:nvPr>
-            <p:ph idx="1" type="body"/>
-          </p:nvPr>
-        </p:nvSpPr>
-        <p:spPr>
-          <a:xfrm>
-            <a:off x="5558500" y="4421125"/>
-            <a:ext cx="1921800" cy="572700"/>
+            <a:off x="4989125" y="4421125"/>
+            <a:ext cx="2750700" cy="572700"/>
           </a:xfrm>
           <a:prstGeom prst="rect">
             <a:avLst/>
@@ -9129,7 +9141,7 @@
   <p:cSld>
     <p:spTree>
       <p:nvGrpSpPr>
-        <p:cNvPr id="153" name="Shape 153"/>
+        <p:cNvPr id="152" name="Shape 152"/>
         <p:cNvGrpSpPr/>
         <p:nvPr/>
       </p:nvGrpSpPr>
@@ -9143,7 +9155,7 @@
       </p:grpSpPr>
       <p:sp>
         <p:nvSpPr>
-          <p:cNvPr id="154" name="Google Shape;154;p26"/>
+          <p:cNvPr id="153" name="Google Shape;153;p26"/>
           <p:cNvSpPr txBox="1"/>
           <p:nvPr>
             <p:ph type="title"/>
@@ -9183,7 +9195,7 @@
       </p:sp>
       <p:sp>
         <p:nvSpPr>
-          <p:cNvPr id="155" name="Google Shape;155;p26"/>
+          <p:cNvPr id="154" name="Google Shape;154;p26"/>
           <p:cNvSpPr txBox="1"/>
           <p:nvPr>
             <p:ph idx="1" type="body"/>
@@ -9255,7 +9267,7 @@
       </p:sp>
       <p:pic>
         <p:nvPicPr>
-          <p:cNvPr id="156" name="Google Shape;156;p26"/>
+          <p:cNvPr id="155" name="Google Shape;155;p26"/>
           <p:cNvPicPr preferRelativeResize="0"/>
           <p:nvPr/>
         </p:nvPicPr>
@@ -9283,7 +9295,7 @@
       </p:pic>
       <p:pic>
         <p:nvPicPr>
-          <p:cNvPr id="157" name="Google Shape;157;p26"/>
+          <p:cNvPr id="156" name="Google Shape;156;p26"/>
           <p:cNvPicPr preferRelativeResize="0"/>
           <p:nvPr/>
         </p:nvPicPr>
@@ -9311,7 +9323,7 @@
       </p:pic>
       <p:sp>
         <p:nvSpPr>
-          <p:cNvPr id="158" name="Google Shape;158;p26"/>
+          <p:cNvPr id="157" name="Google Shape;157;p26"/>
           <p:cNvSpPr txBox="1"/>
           <p:nvPr>
             <p:ph idx="1" type="body"/>
@@ -9367,7 +9379,7 @@
       </p:sp>
       <p:sp>
         <p:nvSpPr>
-          <p:cNvPr id="159" name="Google Shape;159;p26"/>
+          <p:cNvPr id="158" name="Google Shape;158;p26"/>
           <p:cNvSpPr txBox="1"/>
           <p:nvPr>
             <p:ph idx="1" type="body"/>
@@ -9438,7 +9450,7 @@
   <p:cSld>
     <p:spTree>
       <p:nvGrpSpPr>
-        <p:cNvPr id="163" name="Shape 163"/>
+        <p:cNvPr id="162" name="Shape 162"/>
         <p:cNvGrpSpPr/>
         <p:nvPr/>
       </p:nvGrpSpPr>
@@ -9452,7 +9464,7 @@
       </p:grpSpPr>
       <p:sp>
         <p:nvSpPr>
-          <p:cNvPr id="164" name="Google Shape;164;p27"/>
+          <p:cNvPr id="163" name="Google Shape;163;p27"/>
           <p:cNvSpPr txBox="1"/>
           <p:nvPr>
             <p:ph type="title"/>
@@ -9492,7 +9504,7 @@
       </p:sp>
       <p:sp>
         <p:nvSpPr>
-          <p:cNvPr id="165" name="Google Shape;165;p27"/>
+          <p:cNvPr id="164" name="Google Shape;164;p27"/>
           <p:cNvSpPr txBox="1"/>
           <p:nvPr>
             <p:ph idx="1" type="body"/>
@@ -9545,7 +9557,7 @@
             </a:pPr>
             <a:r>
               <a:rPr lang="fr"/>
-              <a:t>Sex</a:t>
+              <a:t>Gender</a:t>
             </a:r>
             <a:endParaRPr/>
           </a:p>
@@ -9553,7 +9565,7 @@
       </p:sp>
       <p:pic>
         <p:nvPicPr>
-          <p:cNvPr id="166" name="Google Shape;166;p27"/>
+          <p:cNvPr id="165" name="Google Shape;165;p27"/>
           <p:cNvPicPr preferRelativeResize="0"/>
           <p:nvPr/>
         </p:nvPicPr>
@@ -9579,6 +9591,66 @@
           </a:ln>
         </p:spPr>
       </p:pic>
+      <p:sp>
+        <p:nvSpPr>
+          <p:cNvPr id="166" name="Google Shape;166;p27"/>
+          <p:cNvSpPr txBox="1"/>
+          <p:nvPr>
+            <p:ph idx="1" type="body"/>
+          </p:nvPr>
+        </p:nvSpPr>
+        <p:spPr>
+          <a:xfrm>
+            <a:off x="5372775" y="4097650"/>
+            <a:ext cx="2556300" cy="572700"/>
+          </a:xfrm>
+          <a:prstGeom prst="rect">
+            <a:avLst/>
+          </a:prstGeom>
+        </p:spPr>
+        <p:txBody>
+          <a:bodyPr anchorCtr="0" anchor="t" bIns="91425" lIns="91425" spcFirstLastPara="1" rIns="91425" wrap="square" tIns="91425">
+            <a:noAutofit/>
+          </a:bodyPr>
+          <a:lstStyle/>
+          <a:p>
+            <a:pPr indent="0" lvl="0" marL="0" rtl="0" algn="l">
+              <a:spcBef>
+                <a:spcPts val="0"/>
+              </a:spcBef>
+              <a:spcAft>
+                <a:spcPts val="0"/>
+              </a:spcAft>
+              <a:buNone/>
+            </a:pPr>
+            <a:r>
+              <a:rPr lang="fr"/>
+              <a:t>lr=0.33; 60 epochs</a:t>
+            </a:r>
+            <a:endParaRPr/>
+          </a:p>
+          <a:p>
+            <a:pPr indent="0" lvl="0" marL="0" rtl="0" algn="l">
+              <a:spcBef>
+                <a:spcPts val="1600"/>
+              </a:spcBef>
+              <a:spcAft>
+                <a:spcPts val="1600"/>
+              </a:spcAft>
+              <a:buNone/>
+            </a:pPr>
+            <a:r>
+              <a:rPr lang="fr"/>
+              <a:t>ns: </a:t>
+            </a:r>
+            <a:r>
+              <a:rPr lang="fr"/>
+              <a:t>10-2, 25-1, 15-0</a:t>
+            </a:r>
+            <a:endParaRPr/>
+          </a:p>
+        </p:txBody>
+      </p:sp>
     </p:spTree>
   </p:cSld>
   <p:clrMapOvr>
@@ -9721,7 +9793,7 @@
         </p:blipFill>
         <p:spPr>
           <a:xfrm>
-            <a:off x="4572000" y="1222625"/>
+            <a:off x="5035125" y="885825"/>
             <a:ext cx="3371850" cy="3219450"/>
           </a:xfrm>
           <a:prstGeom prst="rect">
@@ -9733,6 +9805,62 @@
           </a:ln>
         </p:spPr>
       </p:pic>
+      <p:sp>
+        <p:nvSpPr>
+          <p:cNvPr id="174" name="Google Shape;174;p28"/>
+          <p:cNvSpPr txBox="1"/>
+          <p:nvPr>
+            <p:ph idx="1" type="body"/>
+          </p:nvPr>
+        </p:nvSpPr>
+        <p:spPr>
+          <a:xfrm>
+            <a:off x="5372775" y="4097650"/>
+            <a:ext cx="2556300" cy="572700"/>
+          </a:xfrm>
+          <a:prstGeom prst="rect">
+            <a:avLst/>
+          </a:prstGeom>
+        </p:spPr>
+        <p:txBody>
+          <a:bodyPr anchorCtr="0" anchor="t" bIns="91425" lIns="91425" spcFirstLastPara="1" rIns="91425" wrap="square" tIns="91425">
+            <a:noAutofit/>
+          </a:bodyPr>
+          <a:lstStyle/>
+          <a:p>
+            <a:pPr indent="0" lvl="0" marL="0" rtl="0" algn="l">
+              <a:spcBef>
+                <a:spcPts val="0"/>
+              </a:spcBef>
+              <a:spcAft>
+                <a:spcPts val="0"/>
+              </a:spcAft>
+              <a:buNone/>
+            </a:pPr>
+            <a:r>
+              <a:rPr lang="fr"/>
+              <a:t>lr=0.42; 60 epochs</a:t>
+            </a:r>
+            <a:endParaRPr/>
+          </a:p>
+          <a:p>
+            <a:pPr indent="0" lvl="0" marL="0" rtl="0" algn="l">
+              <a:spcBef>
+                <a:spcPts val="1600"/>
+              </a:spcBef>
+              <a:spcAft>
+                <a:spcPts val="1600"/>
+              </a:spcAft>
+              <a:buNone/>
+            </a:pPr>
+            <a:r>
+              <a:rPr lang="fr"/>
+              <a:t>ns: 30-2, 10-1, 20-0</a:t>
+            </a:r>
+            <a:endParaRPr/>
+          </a:p>
+        </p:txBody>
+      </p:sp>
     </p:spTree>
   </p:cSld>
   <p:clrMapOvr>
@@ -9746,7 +9874,7 @@
   <p:cSld>
     <p:spTree>
       <p:nvGrpSpPr>
-        <p:cNvPr id="177" name="Shape 177"/>
+        <p:cNvPr id="178" name="Shape 178"/>
         <p:cNvGrpSpPr/>
         <p:nvPr/>
       </p:nvGrpSpPr>
@@ -9760,7 +9888,7 @@
       </p:grpSpPr>
       <p:sp>
         <p:nvSpPr>
-          <p:cNvPr id="178" name="Google Shape;178;p29"/>
+          <p:cNvPr id="179" name="Google Shape;179;p29"/>
           <p:cNvSpPr txBox="1"/>
           <p:nvPr>
             <p:ph type="title"/>
@@ -9800,7 +9928,7 @@
       </p:sp>
       <p:sp>
         <p:nvSpPr>
-          <p:cNvPr id="179" name="Google Shape;179;p29"/>
+          <p:cNvPr id="180" name="Google Shape;180;p29"/>
           <p:cNvSpPr txBox="1"/>
           <p:nvPr>
             <p:ph idx="1" type="body"/>
@@ -9861,7 +9989,7 @@
       </p:sp>
       <p:pic>
         <p:nvPicPr>
-          <p:cNvPr id="180" name="Google Shape;180;p29"/>
+          <p:cNvPr id="181" name="Google Shape;181;p29"/>
           <p:cNvPicPr preferRelativeResize="0"/>
           <p:nvPr/>
         </p:nvPicPr>
@@ -9875,7 +10003,7 @@
         </p:blipFill>
         <p:spPr>
           <a:xfrm>
-            <a:off x="6194225" y="250375"/>
+            <a:off x="6046850" y="250375"/>
             <a:ext cx="2297800" cy="2251199"/>
           </a:xfrm>
           <a:prstGeom prst="rect">
@@ -9889,7 +10017,7 @@
       </p:pic>
       <p:pic>
         <p:nvPicPr>
-          <p:cNvPr id="181" name="Google Shape;181;p29"/>
+          <p:cNvPr id="182" name="Google Shape;182;p29"/>
           <p:cNvPicPr preferRelativeResize="0"/>
           <p:nvPr/>
         </p:nvPicPr>
@@ -9903,7 +10031,7 @@
         </p:blipFill>
         <p:spPr>
           <a:xfrm>
-            <a:off x="2826050" y="250375"/>
+            <a:off x="2898700" y="237175"/>
             <a:ext cx="2297800" cy="2277600"/>
           </a:xfrm>
           <a:prstGeom prst="rect">
@@ -9917,7 +10045,7 @@
       </p:pic>
       <p:pic>
         <p:nvPicPr>
-          <p:cNvPr id="182" name="Google Shape;182;p29"/>
+          <p:cNvPr id="183" name="Google Shape;183;p29"/>
           <p:cNvPicPr preferRelativeResize="0"/>
           <p:nvPr/>
         </p:nvPicPr>
@@ -9931,7 +10059,7 @@
         </p:blipFill>
         <p:spPr>
           <a:xfrm>
-            <a:off x="4445700" y="2690475"/>
+            <a:off x="6046850" y="2767675"/>
             <a:ext cx="2297800" cy="2251173"/>
           </a:xfrm>
           <a:prstGeom prst="rect">
@@ -9943,6 +10071,62 @@
           </a:ln>
         </p:spPr>
       </p:pic>
+      <p:sp>
+        <p:nvSpPr>
+          <p:cNvPr id="184" name="Google Shape;184;p29"/>
+          <p:cNvSpPr txBox="1"/>
+          <p:nvPr>
+            <p:ph idx="1" type="body"/>
+          </p:nvPr>
+        </p:nvSpPr>
+        <p:spPr>
+          <a:xfrm>
+            <a:off x="2769450" y="3670063"/>
+            <a:ext cx="2556300" cy="572700"/>
+          </a:xfrm>
+          <a:prstGeom prst="rect">
+            <a:avLst/>
+          </a:prstGeom>
+        </p:spPr>
+        <p:txBody>
+          <a:bodyPr anchorCtr="0" anchor="t" bIns="91425" lIns="91425" spcFirstLastPara="1" rIns="91425" wrap="square" tIns="91425">
+            <a:noAutofit/>
+          </a:bodyPr>
+          <a:lstStyle/>
+          <a:p>
+            <a:pPr indent="0" lvl="0" marL="0" rtl="0" algn="l">
+              <a:spcBef>
+                <a:spcPts val="0"/>
+              </a:spcBef>
+              <a:spcAft>
+                <a:spcPts val="0"/>
+              </a:spcAft>
+              <a:buNone/>
+            </a:pPr>
+            <a:r>
+              <a:rPr lang="fr"/>
+              <a:t>lr=0.33; 60 epochs</a:t>
+            </a:r>
+            <a:endParaRPr/>
+          </a:p>
+          <a:p>
+            <a:pPr indent="0" lvl="0" marL="0" rtl="0" algn="l">
+              <a:spcBef>
+                <a:spcPts val="1600"/>
+              </a:spcBef>
+              <a:spcAft>
+                <a:spcPts val="1600"/>
+              </a:spcAft>
+              <a:buNone/>
+            </a:pPr>
+            <a:r>
+              <a:rPr lang="fr"/>
+              <a:t>ns: 10-2, 25-1, 15-0</a:t>
+            </a:r>
+            <a:endParaRPr/>
+          </a:p>
+        </p:txBody>
+      </p:sp>
     </p:spTree>
   </p:cSld>
   <p:clrMapOvr>
@@ -9956,7 +10140,7 @@
   <p:cSld>
     <p:spTree>
       <p:nvGrpSpPr>
-        <p:cNvPr id="186" name="Shape 186"/>
+        <p:cNvPr id="188" name="Shape 188"/>
         <p:cNvGrpSpPr/>
         <p:nvPr/>
       </p:nvGrpSpPr>
@@ -9970,7 +10154,7 @@
       </p:grpSpPr>
       <p:sp>
         <p:nvSpPr>
-          <p:cNvPr id="187" name="Google Shape;187;p30"/>
+          <p:cNvPr id="189" name="Google Shape;189;p30"/>
           <p:cNvSpPr txBox="1"/>
           <p:nvPr>
             <p:ph type="ctrTitle"/>
